--- a/documentation/draft/ci-environment/deploy-source-strategy.pptx
+++ b/documentation/draft/ci-environment/deploy-source-strategy.pptx
@@ -1309,92 +1309,6 @@
         <p:txBody>
           <a:bodyPr/>
           <a:lstStyle/>
-          <a:p>
-            <a:pPr marL="0" marR="0" indent="0" algn="l" defTabSz="914400" rtl="0" eaLnBrk="1" fontAlgn="auto" latinLnBrk="1" hangingPunct="1">
-              <a:lnSpc>
-                <a:spcPct val="100000"/>
-              </a:lnSpc>
-              <a:spcBef>
-                <a:spcPts val="0"/>
-              </a:spcBef>
-              <a:spcAft>
-                <a:spcPts val="0"/>
-              </a:spcAft>
-              <a:buClrTx/>
-              <a:buSzTx/>
-              <a:buFontTx/>
-              <a:buNone/>
-              <a:tabLst/>
-              <a:defRPr/>
-            </a:pPr>
-            <a:r>
-              <a:rPr lang="en-US" altLang="ko-KR" baseline="0" dirty="0" smtClean="0"/>
-              <a:t>[</a:t>
-            </a:r>
-            <a:r>
-              <a:rPr lang="ko-KR" altLang="en-US" baseline="0" dirty="0" smtClean="0"/>
-              <a:t>유사 유형 적용 사례</a:t>
-            </a:r>
-            <a:r>
-              <a:rPr lang="en-US" altLang="ko-KR" baseline="0" dirty="0" smtClean="0"/>
-              <a:t>]</a:t>
-            </a:r>
-          </a:p>
-          <a:p>
-            <a:pPr marL="0" marR="0" indent="0" algn="l" defTabSz="914400" rtl="0" eaLnBrk="1" fontAlgn="auto" latinLnBrk="1" hangingPunct="1">
-              <a:lnSpc>
-                <a:spcPct val="100000"/>
-              </a:lnSpc>
-              <a:spcBef>
-                <a:spcPts val="0"/>
-              </a:spcBef>
-              <a:spcAft>
-                <a:spcPts val="0"/>
-              </a:spcAft>
-              <a:buClrTx/>
-              <a:buSzTx/>
-              <a:buFontTx/>
-              <a:buNone/>
-              <a:tabLst/>
-              <a:defRPr/>
-            </a:pPr>
-            <a:r>
-              <a:rPr lang="en-US" altLang="ko-KR" baseline="0" dirty="0" smtClean="0"/>
-              <a:t>S</a:t>
-            </a:r>
-            <a:r>
-              <a:rPr lang="ko-KR" altLang="en-US" baseline="0" dirty="0" smtClean="0"/>
-              <a:t>건설 프로젝트 </a:t>
-            </a:r>
-            <a:r>
-              <a:rPr lang="en-US" altLang="ko-KR" baseline="0" dirty="0" smtClean="0"/>
-              <a:t>(Web Resource: 3</a:t>
-            </a:r>
-            <a:r>
-              <a:rPr lang="ko-KR" altLang="en-US" baseline="0" dirty="0" smtClean="0"/>
-              <a:t>개</a:t>
-            </a:r>
-            <a:r>
-              <a:rPr lang="en-US" altLang="ko-KR" baseline="0" dirty="0" smtClean="0"/>
-              <a:t>, </a:t>
-            </a:r>
-            <a:r>
-              <a:rPr lang="ko-KR" altLang="en-US" baseline="0" dirty="0" smtClean="0"/>
-              <a:t>개별 </a:t>
-            </a:r>
-            <a:r>
-              <a:rPr lang="en-US" altLang="ko-KR" baseline="0" dirty="0" smtClean="0"/>
-              <a:t>Web Application: 20</a:t>
-            </a:r>
-            <a:r>
-              <a:rPr lang="ko-KR" altLang="en-US" baseline="0" dirty="0" err="1" smtClean="0"/>
-              <a:t>여개</a:t>
-            </a:r>
-            <a:r>
-              <a:rPr lang="en-US" altLang="ko-KR" baseline="0" dirty="0" smtClean="0"/>
-              <a:t>)</a:t>
-            </a:r>
-          </a:p>
           <a:p>
             <a:pPr marL="0" marR="0" indent="0" algn="l" defTabSz="914400" rtl="0" eaLnBrk="1" fontAlgn="auto" latinLnBrk="1" hangingPunct="1">
               <a:lnSpc>

--- a/documentation/draft/ci-environment/deploy-source-strategy.pptx
+++ b/documentation/draft/ci-environment/deploy-source-strategy.pptx
@@ -207,7 +207,7 @@
           <a:p>
             <a:fld id="{8F605344-AC9F-4F8D-8679-958E10C33BCA}" type="datetimeFigureOut">
               <a:rPr lang="ko-KR" altLang="en-US" smtClean="0"/>
-              <a:t>2012-08-16</a:t>
+              <a:t>2012-08-20</a:t>
             </a:fld>
             <a:endParaRPr lang="ko-KR" altLang="en-US"/>
           </a:p>
@@ -2362,7 +2362,7 @@
           <a:p>
             <a:fld id="{FB30EDBD-1C2D-4C1E-B459-B60219FAB484}" type="datetimeFigureOut">
               <a:rPr lang="ko-KR" altLang="en-US" smtClean="0"/>
-              <a:t>2012-08-16</a:t>
+              <a:t>2012-08-20</a:t>
             </a:fld>
             <a:endParaRPr lang="ko-KR" altLang="en-US"/>
           </a:p>
@@ -2527,7 +2527,7 @@
           <a:p>
             <a:fld id="{FB30EDBD-1C2D-4C1E-B459-B60219FAB484}" type="datetimeFigureOut">
               <a:rPr lang="ko-KR" altLang="en-US" smtClean="0"/>
-              <a:t>2012-08-16</a:t>
+              <a:t>2012-08-20</a:t>
             </a:fld>
             <a:endParaRPr lang="ko-KR" altLang="en-US"/>
           </a:p>
@@ -2702,7 +2702,7 @@
           <a:p>
             <a:fld id="{FB30EDBD-1C2D-4C1E-B459-B60219FAB484}" type="datetimeFigureOut">
               <a:rPr lang="ko-KR" altLang="en-US" smtClean="0"/>
-              <a:t>2012-08-16</a:t>
+              <a:t>2012-08-20</a:t>
             </a:fld>
             <a:endParaRPr lang="ko-KR" altLang="en-US"/>
           </a:p>
@@ -2867,7 +2867,7 @@
           <a:p>
             <a:fld id="{FB30EDBD-1C2D-4C1E-B459-B60219FAB484}" type="datetimeFigureOut">
               <a:rPr lang="ko-KR" altLang="en-US" smtClean="0"/>
-              <a:t>2012-08-16</a:t>
+              <a:t>2012-08-20</a:t>
             </a:fld>
             <a:endParaRPr lang="ko-KR" altLang="en-US"/>
           </a:p>
@@ -3108,7 +3108,7 @@
           <a:p>
             <a:fld id="{FB30EDBD-1C2D-4C1E-B459-B60219FAB484}" type="datetimeFigureOut">
               <a:rPr lang="ko-KR" altLang="en-US" smtClean="0"/>
-              <a:t>2012-08-16</a:t>
+              <a:t>2012-08-20</a:t>
             </a:fld>
             <a:endParaRPr lang="ko-KR" altLang="en-US"/>
           </a:p>
@@ -3391,7 +3391,7 @@
           <a:p>
             <a:fld id="{FB30EDBD-1C2D-4C1E-B459-B60219FAB484}" type="datetimeFigureOut">
               <a:rPr lang="ko-KR" altLang="en-US" smtClean="0"/>
-              <a:t>2012-08-16</a:t>
+              <a:t>2012-08-20</a:t>
             </a:fld>
             <a:endParaRPr lang="ko-KR" altLang="en-US"/>
           </a:p>
@@ -3808,7 +3808,7 @@
           <a:p>
             <a:fld id="{FB30EDBD-1C2D-4C1E-B459-B60219FAB484}" type="datetimeFigureOut">
               <a:rPr lang="ko-KR" altLang="en-US" smtClean="0"/>
-              <a:t>2012-08-16</a:t>
+              <a:t>2012-08-20</a:t>
             </a:fld>
             <a:endParaRPr lang="ko-KR" altLang="en-US"/>
           </a:p>
@@ -3921,7 +3921,7 @@
           <a:p>
             <a:fld id="{FB30EDBD-1C2D-4C1E-B459-B60219FAB484}" type="datetimeFigureOut">
               <a:rPr lang="ko-KR" altLang="en-US" smtClean="0"/>
-              <a:t>2012-08-16</a:t>
+              <a:t>2012-08-20</a:t>
             </a:fld>
             <a:endParaRPr lang="ko-KR" altLang="en-US"/>
           </a:p>
@@ -4011,7 +4011,7 @@
           <a:p>
             <a:fld id="{FB30EDBD-1C2D-4C1E-B459-B60219FAB484}" type="datetimeFigureOut">
               <a:rPr lang="ko-KR" altLang="en-US" smtClean="0"/>
-              <a:t>2012-08-16</a:t>
+              <a:t>2012-08-20</a:t>
             </a:fld>
             <a:endParaRPr lang="ko-KR" altLang="en-US"/>
           </a:p>
@@ -4283,7 +4283,7 @@
           <a:p>
             <a:fld id="{FB30EDBD-1C2D-4C1E-B459-B60219FAB484}" type="datetimeFigureOut">
               <a:rPr lang="ko-KR" altLang="en-US" smtClean="0"/>
-              <a:t>2012-08-16</a:t>
+              <a:t>2012-08-20</a:t>
             </a:fld>
             <a:endParaRPr lang="ko-KR" altLang="en-US"/>
           </a:p>
@@ -4531,7 +4531,7 @@
           <a:p>
             <a:fld id="{FB30EDBD-1C2D-4C1E-B459-B60219FAB484}" type="datetimeFigureOut">
               <a:rPr lang="ko-KR" altLang="en-US" smtClean="0"/>
-              <a:t>2012-08-16</a:t>
+              <a:t>2012-08-20</a:t>
             </a:fld>
             <a:endParaRPr lang="ko-KR" altLang="en-US"/>
           </a:p>
@@ -4739,7 +4739,7 @@
           <a:p>
             <a:fld id="{FB30EDBD-1C2D-4C1E-B459-B60219FAB484}" type="datetimeFigureOut">
               <a:rPr lang="ko-KR" altLang="en-US" smtClean="0"/>
-              <a:t>2012-08-16</a:t>
+              <a:t>2012-08-20</a:t>
             </a:fld>
             <a:endParaRPr lang="ko-KR" altLang="en-US"/>
           </a:p>
@@ -6771,6 +6771,52 @@
           </p:txBody>
         </p:sp>
       </p:grpSp>
+      <p:sp>
+        <p:nvSpPr>
+          <p:cNvPr id="66" name="직사각형 65"/>
+          <p:cNvSpPr/>
+          <p:nvPr/>
+        </p:nvSpPr>
+        <p:spPr>
+          <a:xfrm>
+            <a:off x="2165901" y="1412776"/>
+            <a:ext cx="1109954" cy="5184576"/>
+          </a:xfrm>
+          <a:prstGeom prst="rect">
+            <a:avLst/>
+          </a:prstGeom>
+          <a:noFill/>
+          <a:ln w="50800">
+            <a:solidFill>
+              <a:srgbClr val="FF0000"/>
+            </a:solidFill>
+          </a:ln>
+        </p:spPr>
+        <p:style>
+          <a:lnRef idx="2">
+            <a:schemeClr val="accent1">
+              <a:shade val="50000"/>
+            </a:schemeClr>
+          </a:lnRef>
+          <a:fillRef idx="1">
+            <a:schemeClr val="accent1"/>
+          </a:fillRef>
+          <a:effectRef idx="0">
+            <a:schemeClr val="accent1"/>
+          </a:effectRef>
+          <a:fontRef idx="minor">
+            <a:schemeClr val="lt1"/>
+          </a:fontRef>
+        </p:style>
+        <p:txBody>
+          <a:bodyPr rtlCol="0" anchor="ctr"/>
+          <a:lstStyle/>
+          <a:p>
+            <a:pPr algn="ctr"/>
+            <a:endParaRPr lang="ko-KR" altLang="en-US"/>
+          </a:p>
+        </p:txBody>
+      </p:sp>
     </p:spTree>
     <p:extLst>
       <p:ext uri="{BB962C8B-B14F-4D97-AF65-F5344CB8AC3E}">
@@ -8377,6 +8423,98 @@
           </p:txBody>
         </p:sp>
       </p:grpSp>
+      <p:sp>
+        <p:nvSpPr>
+          <p:cNvPr id="66" name="직사각형 65"/>
+          <p:cNvSpPr/>
+          <p:nvPr/>
+        </p:nvSpPr>
+        <p:spPr>
+          <a:xfrm>
+            <a:off x="7454591" y="2844410"/>
+            <a:ext cx="1109954" cy="432048"/>
+          </a:xfrm>
+          <a:prstGeom prst="rect">
+            <a:avLst/>
+          </a:prstGeom>
+          <a:noFill/>
+          <a:ln w="50800">
+            <a:solidFill>
+              <a:srgbClr val="FF0000"/>
+            </a:solidFill>
+          </a:ln>
+        </p:spPr>
+        <p:style>
+          <a:lnRef idx="2">
+            <a:schemeClr val="accent1">
+              <a:shade val="50000"/>
+            </a:schemeClr>
+          </a:lnRef>
+          <a:fillRef idx="1">
+            <a:schemeClr val="accent1"/>
+          </a:fillRef>
+          <a:effectRef idx="0">
+            <a:schemeClr val="accent1"/>
+          </a:effectRef>
+          <a:fontRef idx="minor">
+            <a:schemeClr val="lt1"/>
+          </a:fontRef>
+        </p:style>
+        <p:txBody>
+          <a:bodyPr rtlCol="0" anchor="ctr"/>
+          <a:lstStyle/>
+          <a:p>
+            <a:pPr algn="ctr"/>
+            <a:endParaRPr lang="ko-KR" altLang="en-US"/>
+          </a:p>
+        </p:txBody>
+      </p:sp>
+      <p:sp>
+        <p:nvSpPr>
+          <p:cNvPr id="67" name="직사각형 66"/>
+          <p:cNvSpPr/>
+          <p:nvPr/>
+        </p:nvSpPr>
+        <p:spPr>
+          <a:xfrm>
+            <a:off x="7812360" y="5397359"/>
+            <a:ext cx="1109954" cy="432048"/>
+          </a:xfrm>
+          <a:prstGeom prst="rect">
+            <a:avLst/>
+          </a:prstGeom>
+          <a:noFill/>
+          <a:ln w="50800">
+            <a:solidFill>
+              <a:srgbClr val="FF0000"/>
+            </a:solidFill>
+          </a:ln>
+        </p:spPr>
+        <p:style>
+          <a:lnRef idx="2">
+            <a:schemeClr val="accent1">
+              <a:shade val="50000"/>
+            </a:schemeClr>
+          </a:lnRef>
+          <a:fillRef idx="1">
+            <a:schemeClr val="accent1"/>
+          </a:fillRef>
+          <a:effectRef idx="0">
+            <a:schemeClr val="accent1"/>
+          </a:effectRef>
+          <a:fontRef idx="minor">
+            <a:schemeClr val="lt1"/>
+          </a:fontRef>
+        </p:style>
+        <p:txBody>
+          <a:bodyPr rtlCol="0" anchor="ctr"/>
+          <a:lstStyle/>
+          <a:p>
+            <a:pPr algn="ctr"/>
+            <a:endParaRPr lang="ko-KR" altLang="en-US"/>
+          </a:p>
+        </p:txBody>
+      </p:sp>
     </p:spTree>
     <p:extLst>
       <p:ext uri="{BB962C8B-B14F-4D97-AF65-F5344CB8AC3E}">
@@ -10388,6 +10526,236 @@
           </p:txBody>
         </p:sp>
       </p:grpSp>
+      <p:sp>
+        <p:nvSpPr>
+          <p:cNvPr id="71" name="직사각형 70"/>
+          <p:cNvSpPr/>
+          <p:nvPr/>
+        </p:nvSpPr>
+        <p:spPr>
+          <a:xfrm>
+            <a:off x="1787704" y="3106832"/>
+            <a:ext cx="2136223" cy="713566"/>
+          </a:xfrm>
+          <a:prstGeom prst="rect">
+            <a:avLst/>
+          </a:prstGeom>
+          <a:noFill/>
+          <a:ln w="50800">
+            <a:solidFill>
+              <a:srgbClr val="FF0000"/>
+            </a:solidFill>
+          </a:ln>
+        </p:spPr>
+        <p:style>
+          <a:lnRef idx="2">
+            <a:schemeClr val="accent1">
+              <a:shade val="50000"/>
+            </a:schemeClr>
+          </a:lnRef>
+          <a:fillRef idx="1">
+            <a:schemeClr val="accent1"/>
+          </a:fillRef>
+          <a:effectRef idx="0">
+            <a:schemeClr val="accent1"/>
+          </a:effectRef>
+          <a:fontRef idx="minor">
+            <a:schemeClr val="lt1"/>
+          </a:fontRef>
+        </p:style>
+        <p:txBody>
+          <a:bodyPr rtlCol="0" anchor="ctr"/>
+          <a:lstStyle/>
+          <a:p>
+            <a:pPr algn="ctr"/>
+            <a:endParaRPr lang="ko-KR" altLang="en-US"/>
+          </a:p>
+        </p:txBody>
+      </p:sp>
+      <p:sp>
+        <p:nvSpPr>
+          <p:cNvPr id="72" name="직사각형 71"/>
+          <p:cNvSpPr/>
+          <p:nvPr/>
+        </p:nvSpPr>
+        <p:spPr>
+          <a:xfrm>
+            <a:off x="7496433" y="4969577"/>
+            <a:ext cx="891991" cy="356783"/>
+          </a:xfrm>
+          <a:prstGeom prst="rect">
+            <a:avLst/>
+          </a:prstGeom>
+          <a:noFill/>
+          <a:ln w="50800">
+            <a:solidFill>
+              <a:srgbClr val="FF0000"/>
+            </a:solidFill>
+          </a:ln>
+        </p:spPr>
+        <p:style>
+          <a:lnRef idx="2">
+            <a:schemeClr val="accent1">
+              <a:shade val="50000"/>
+            </a:schemeClr>
+          </a:lnRef>
+          <a:fillRef idx="1">
+            <a:schemeClr val="accent1"/>
+          </a:fillRef>
+          <a:effectRef idx="0">
+            <a:schemeClr val="accent1"/>
+          </a:effectRef>
+          <a:fontRef idx="minor">
+            <a:schemeClr val="lt1"/>
+          </a:fontRef>
+        </p:style>
+        <p:txBody>
+          <a:bodyPr rtlCol="0" anchor="ctr"/>
+          <a:lstStyle/>
+          <a:p>
+            <a:pPr algn="ctr"/>
+            <a:endParaRPr lang="ko-KR" altLang="en-US"/>
+          </a:p>
+        </p:txBody>
+      </p:sp>
+      <p:sp>
+        <p:nvSpPr>
+          <p:cNvPr id="73" name="직사각형 72"/>
+          <p:cNvSpPr/>
+          <p:nvPr/>
+        </p:nvSpPr>
+        <p:spPr>
+          <a:xfrm>
+            <a:off x="7893003" y="6198000"/>
+            <a:ext cx="891991" cy="356783"/>
+          </a:xfrm>
+          <a:prstGeom prst="rect">
+            <a:avLst/>
+          </a:prstGeom>
+          <a:noFill/>
+          <a:ln w="50800">
+            <a:solidFill>
+              <a:srgbClr val="FF0000"/>
+            </a:solidFill>
+          </a:ln>
+        </p:spPr>
+        <p:style>
+          <a:lnRef idx="2">
+            <a:schemeClr val="accent1">
+              <a:shade val="50000"/>
+            </a:schemeClr>
+          </a:lnRef>
+          <a:fillRef idx="1">
+            <a:schemeClr val="accent1"/>
+          </a:fillRef>
+          <a:effectRef idx="0">
+            <a:schemeClr val="accent1"/>
+          </a:effectRef>
+          <a:fontRef idx="minor">
+            <a:schemeClr val="lt1"/>
+          </a:fontRef>
+        </p:style>
+        <p:txBody>
+          <a:bodyPr rtlCol="0" anchor="ctr"/>
+          <a:lstStyle/>
+          <a:p>
+            <a:pPr algn="ctr"/>
+            <a:endParaRPr lang="ko-KR" altLang="en-US"/>
+          </a:p>
+        </p:txBody>
+      </p:sp>
+      <p:sp>
+        <p:nvSpPr>
+          <p:cNvPr id="74" name="직사각형 73"/>
+          <p:cNvSpPr/>
+          <p:nvPr/>
+        </p:nvSpPr>
+        <p:spPr>
+          <a:xfrm>
+            <a:off x="251520" y="4797152"/>
+            <a:ext cx="4766475" cy="576064"/>
+          </a:xfrm>
+          <a:prstGeom prst="rect">
+            <a:avLst/>
+          </a:prstGeom>
+          <a:noFill/>
+          <a:ln w="50800">
+            <a:solidFill>
+              <a:srgbClr val="FF0000"/>
+            </a:solidFill>
+          </a:ln>
+        </p:spPr>
+        <p:style>
+          <a:lnRef idx="2">
+            <a:schemeClr val="accent1">
+              <a:shade val="50000"/>
+            </a:schemeClr>
+          </a:lnRef>
+          <a:fillRef idx="1">
+            <a:schemeClr val="accent1"/>
+          </a:fillRef>
+          <a:effectRef idx="0">
+            <a:schemeClr val="accent1"/>
+          </a:effectRef>
+          <a:fontRef idx="minor">
+            <a:schemeClr val="lt1"/>
+          </a:fontRef>
+        </p:style>
+        <p:txBody>
+          <a:bodyPr rtlCol="0" anchor="ctr"/>
+          <a:lstStyle/>
+          <a:p>
+            <a:pPr algn="ctr"/>
+            <a:endParaRPr lang="ko-KR" altLang="en-US"/>
+          </a:p>
+        </p:txBody>
+      </p:sp>
+      <p:sp>
+        <p:nvSpPr>
+          <p:cNvPr id="75" name="직사각형 74"/>
+          <p:cNvSpPr/>
+          <p:nvPr/>
+        </p:nvSpPr>
+        <p:spPr>
+          <a:xfrm>
+            <a:off x="7479912" y="2750830"/>
+            <a:ext cx="891991" cy="356783"/>
+          </a:xfrm>
+          <a:prstGeom prst="rect">
+            <a:avLst/>
+          </a:prstGeom>
+          <a:noFill/>
+          <a:ln w="50800">
+            <a:solidFill>
+              <a:srgbClr val="FF0000"/>
+            </a:solidFill>
+          </a:ln>
+        </p:spPr>
+        <p:style>
+          <a:lnRef idx="2">
+            <a:schemeClr val="accent1">
+              <a:shade val="50000"/>
+            </a:schemeClr>
+          </a:lnRef>
+          <a:fillRef idx="1">
+            <a:schemeClr val="accent1"/>
+          </a:fillRef>
+          <a:effectRef idx="0">
+            <a:schemeClr val="accent1"/>
+          </a:effectRef>
+          <a:fontRef idx="minor">
+            <a:schemeClr val="lt1"/>
+          </a:fontRef>
+        </p:style>
+        <p:txBody>
+          <a:bodyPr rtlCol="0" anchor="ctr"/>
+          <a:lstStyle/>
+          <a:p>
+            <a:pPr algn="ctr"/>
+            <a:endParaRPr lang="ko-KR" altLang="en-US"/>
+          </a:p>
+        </p:txBody>
+      </p:sp>
     </p:spTree>
     <p:extLst>
       <p:ext uri="{BB962C8B-B14F-4D97-AF65-F5344CB8AC3E}">
@@ -12407,6 +12775,144 @@
           </p:txBody>
         </p:sp>
       </p:grpSp>
+      <p:sp>
+        <p:nvSpPr>
+          <p:cNvPr id="72" name="직사각형 71"/>
+          <p:cNvSpPr/>
+          <p:nvPr/>
+        </p:nvSpPr>
+        <p:spPr>
+          <a:xfrm>
+            <a:off x="7496433" y="4969577"/>
+            <a:ext cx="891991" cy="356783"/>
+          </a:xfrm>
+          <a:prstGeom prst="rect">
+            <a:avLst/>
+          </a:prstGeom>
+          <a:noFill/>
+          <a:ln w="50800">
+            <a:solidFill>
+              <a:srgbClr val="FF0000"/>
+            </a:solidFill>
+          </a:ln>
+        </p:spPr>
+        <p:style>
+          <a:lnRef idx="2">
+            <a:schemeClr val="accent1">
+              <a:shade val="50000"/>
+            </a:schemeClr>
+          </a:lnRef>
+          <a:fillRef idx="1">
+            <a:schemeClr val="accent1"/>
+          </a:fillRef>
+          <a:effectRef idx="0">
+            <a:schemeClr val="accent1"/>
+          </a:effectRef>
+          <a:fontRef idx="minor">
+            <a:schemeClr val="lt1"/>
+          </a:fontRef>
+        </p:style>
+        <p:txBody>
+          <a:bodyPr rtlCol="0" anchor="ctr"/>
+          <a:lstStyle/>
+          <a:p>
+            <a:pPr algn="ctr"/>
+            <a:endParaRPr lang="ko-KR" altLang="en-US"/>
+          </a:p>
+        </p:txBody>
+      </p:sp>
+      <p:sp>
+        <p:nvSpPr>
+          <p:cNvPr id="73" name="직사각형 72"/>
+          <p:cNvSpPr/>
+          <p:nvPr/>
+        </p:nvSpPr>
+        <p:spPr>
+          <a:xfrm>
+            <a:off x="7893003" y="6198000"/>
+            <a:ext cx="891991" cy="356783"/>
+          </a:xfrm>
+          <a:prstGeom prst="rect">
+            <a:avLst/>
+          </a:prstGeom>
+          <a:noFill/>
+          <a:ln w="50800">
+            <a:solidFill>
+              <a:srgbClr val="FF0000"/>
+            </a:solidFill>
+          </a:ln>
+        </p:spPr>
+        <p:style>
+          <a:lnRef idx="2">
+            <a:schemeClr val="accent1">
+              <a:shade val="50000"/>
+            </a:schemeClr>
+          </a:lnRef>
+          <a:fillRef idx="1">
+            <a:schemeClr val="accent1"/>
+          </a:fillRef>
+          <a:effectRef idx="0">
+            <a:schemeClr val="accent1"/>
+          </a:effectRef>
+          <a:fontRef idx="minor">
+            <a:schemeClr val="lt1"/>
+          </a:fontRef>
+        </p:style>
+        <p:txBody>
+          <a:bodyPr rtlCol="0" anchor="ctr"/>
+          <a:lstStyle/>
+          <a:p>
+            <a:pPr algn="ctr"/>
+            <a:endParaRPr lang="ko-KR" altLang="en-US"/>
+          </a:p>
+        </p:txBody>
+      </p:sp>
+      <p:sp>
+        <p:nvSpPr>
+          <p:cNvPr id="74" name="직사각형 73"/>
+          <p:cNvSpPr/>
+          <p:nvPr/>
+        </p:nvSpPr>
+        <p:spPr>
+          <a:xfrm>
+            <a:off x="7479912" y="2750830"/>
+            <a:ext cx="891991" cy="356783"/>
+          </a:xfrm>
+          <a:prstGeom prst="rect">
+            <a:avLst/>
+          </a:prstGeom>
+          <a:noFill/>
+          <a:ln w="50800">
+            <a:solidFill>
+              <a:srgbClr val="FF0000"/>
+            </a:solidFill>
+          </a:ln>
+        </p:spPr>
+        <p:style>
+          <a:lnRef idx="2">
+            <a:schemeClr val="accent1">
+              <a:shade val="50000"/>
+            </a:schemeClr>
+          </a:lnRef>
+          <a:fillRef idx="1">
+            <a:schemeClr val="accent1"/>
+          </a:fillRef>
+          <a:effectRef idx="0">
+            <a:schemeClr val="accent1"/>
+          </a:effectRef>
+          <a:fontRef idx="minor">
+            <a:schemeClr val="lt1"/>
+          </a:fontRef>
+        </p:style>
+        <p:txBody>
+          <a:bodyPr rtlCol="0" anchor="ctr"/>
+          <a:lstStyle/>
+          <a:p>
+            <a:pPr algn="ctr"/>
+            <a:endParaRPr lang="ko-KR" altLang="en-US"/>
+          </a:p>
+        </p:txBody>
+      </p:sp>
     </p:spTree>
     <p:extLst>
       <p:ext uri="{BB962C8B-B14F-4D97-AF65-F5344CB8AC3E}">
@@ -14542,6 +15048,98 @@
           </p:txBody>
         </p:sp>
       </p:grpSp>
+      <p:sp>
+        <p:nvSpPr>
+          <p:cNvPr id="71" name="직사각형 70"/>
+          <p:cNvSpPr/>
+          <p:nvPr/>
+        </p:nvSpPr>
+        <p:spPr>
+          <a:xfrm>
+            <a:off x="395536" y="2818561"/>
+            <a:ext cx="7843705" cy="178391"/>
+          </a:xfrm>
+          <a:prstGeom prst="rect">
+            <a:avLst/>
+          </a:prstGeom>
+          <a:noFill/>
+          <a:ln w="50800">
+            <a:solidFill>
+              <a:srgbClr val="FF0000"/>
+            </a:solidFill>
+          </a:ln>
+        </p:spPr>
+        <p:style>
+          <a:lnRef idx="2">
+            <a:schemeClr val="accent1">
+              <a:shade val="50000"/>
+            </a:schemeClr>
+          </a:lnRef>
+          <a:fillRef idx="1">
+            <a:schemeClr val="accent1"/>
+          </a:fillRef>
+          <a:effectRef idx="0">
+            <a:schemeClr val="accent1"/>
+          </a:effectRef>
+          <a:fontRef idx="minor">
+            <a:schemeClr val="lt1"/>
+          </a:fontRef>
+        </p:style>
+        <p:txBody>
+          <a:bodyPr rtlCol="0" anchor="ctr"/>
+          <a:lstStyle/>
+          <a:p>
+            <a:pPr algn="ctr"/>
+            <a:endParaRPr lang="ko-KR" altLang="en-US"/>
+          </a:p>
+        </p:txBody>
+      </p:sp>
+      <p:sp>
+        <p:nvSpPr>
+          <p:cNvPr id="72" name="직사각형 71"/>
+          <p:cNvSpPr/>
+          <p:nvPr/>
+        </p:nvSpPr>
+        <p:spPr>
+          <a:xfrm>
+            <a:off x="395536" y="5085184"/>
+            <a:ext cx="7843705" cy="178391"/>
+          </a:xfrm>
+          <a:prstGeom prst="rect">
+            <a:avLst/>
+          </a:prstGeom>
+          <a:noFill/>
+          <a:ln w="50800">
+            <a:solidFill>
+              <a:srgbClr val="FF0000"/>
+            </a:solidFill>
+          </a:ln>
+        </p:spPr>
+        <p:style>
+          <a:lnRef idx="2">
+            <a:schemeClr val="accent1">
+              <a:shade val="50000"/>
+            </a:schemeClr>
+          </a:lnRef>
+          <a:fillRef idx="1">
+            <a:schemeClr val="accent1"/>
+          </a:fillRef>
+          <a:effectRef idx="0">
+            <a:schemeClr val="accent1"/>
+          </a:effectRef>
+          <a:fontRef idx="minor">
+            <a:schemeClr val="lt1"/>
+          </a:fontRef>
+        </p:style>
+        <p:txBody>
+          <a:bodyPr rtlCol="0" anchor="ctr"/>
+          <a:lstStyle/>
+          <a:p>
+            <a:pPr algn="ctr"/>
+            <a:endParaRPr lang="ko-KR" altLang="en-US"/>
+          </a:p>
+        </p:txBody>
+      </p:sp>
     </p:spTree>
     <p:extLst>
       <p:ext uri="{BB962C8B-B14F-4D97-AF65-F5344CB8AC3E}">
@@ -16466,6 +17064,52 @@
           </p:txBody>
         </p:sp>
       </p:grpSp>
+      <p:sp>
+        <p:nvSpPr>
+          <p:cNvPr id="71" name="직사각형 70"/>
+          <p:cNvSpPr/>
+          <p:nvPr/>
+        </p:nvSpPr>
+        <p:spPr>
+          <a:xfrm>
+            <a:off x="6264920" y="5877272"/>
+            <a:ext cx="2299626" cy="673224"/>
+          </a:xfrm>
+          <a:prstGeom prst="rect">
+            <a:avLst/>
+          </a:prstGeom>
+          <a:noFill/>
+          <a:ln w="50800">
+            <a:solidFill>
+              <a:srgbClr val="FF0000"/>
+            </a:solidFill>
+          </a:ln>
+        </p:spPr>
+        <p:style>
+          <a:lnRef idx="2">
+            <a:schemeClr val="accent1">
+              <a:shade val="50000"/>
+            </a:schemeClr>
+          </a:lnRef>
+          <a:fillRef idx="1">
+            <a:schemeClr val="accent1"/>
+          </a:fillRef>
+          <a:effectRef idx="0">
+            <a:schemeClr val="accent1"/>
+          </a:effectRef>
+          <a:fontRef idx="minor">
+            <a:schemeClr val="lt1"/>
+          </a:fontRef>
+        </p:style>
+        <p:txBody>
+          <a:bodyPr rtlCol="0" anchor="ctr"/>
+          <a:lstStyle/>
+          <a:p>
+            <a:pPr algn="ctr"/>
+            <a:endParaRPr lang="ko-KR" altLang="en-US"/>
+          </a:p>
+        </p:txBody>
+      </p:sp>
     </p:spTree>
     <p:extLst>
       <p:ext uri="{BB962C8B-B14F-4D97-AF65-F5344CB8AC3E}">
@@ -18398,6 +19042,98 @@
           </p:txBody>
         </p:sp>
       </p:grpSp>
+      <p:sp>
+        <p:nvSpPr>
+          <p:cNvPr id="69" name="직사각형 68"/>
+          <p:cNvSpPr/>
+          <p:nvPr/>
+        </p:nvSpPr>
+        <p:spPr>
+          <a:xfrm>
+            <a:off x="7496433" y="4969577"/>
+            <a:ext cx="891991" cy="356783"/>
+          </a:xfrm>
+          <a:prstGeom prst="rect">
+            <a:avLst/>
+          </a:prstGeom>
+          <a:noFill/>
+          <a:ln w="50800">
+            <a:solidFill>
+              <a:srgbClr val="FF0000"/>
+            </a:solidFill>
+          </a:ln>
+        </p:spPr>
+        <p:style>
+          <a:lnRef idx="2">
+            <a:schemeClr val="accent1">
+              <a:shade val="50000"/>
+            </a:schemeClr>
+          </a:lnRef>
+          <a:fillRef idx="1">
+            <a:schemeClr val="accent1"/>
+          </a:fillRef>
+          <a:effectRef idx="0">
+            <a:schemeClr val="accent1"/>
+          </a:effectRef>
+          <a:fontRef idx="minor">
+            <a:schemeClr val="lt1"/>
+          </a:fontRef>
+        </p:style>
+        <p:txBody>
+          <a:bodyPr rtlCol="0" anchor="ctr"/>
+          <a:lstStyle/>
+          <a:p>
+            <a:pPr algn="ctr"/>
+            <a:endParaRPr lang="ko-KR" altLang="en-US"/>
+          </a:p>
+        </p:txBody>
+      </p:sp>
+      <p:sp>
+        <p:nvSpPr>
+          <p:cNvPr id="71" name="직사각형 70"/>
+          <p:cNvSpPr/>
+          <p:nvPr/>
+        </p:nvSpPr>
+        <p:spPr>
+          <a:xfrm>
+            <a:off x="7479912" y="2750830"/>
+            <a:ext cx="891991" cy="356783"/>
+          </a:xfrm>
+          <a:prstGeom prst="rect">
+            <a:avLst/>
+          </a:prstGeom>
+          <a:noFill/>
+          <a:ln w="50800">
+            <a:solidFill>
+              <a:srgbClr val="FF0000"/>
+            </a:solidFill>
+          </a:ln>
+        </p:spPr>
+        <p:style>
+          <a:lnRef idx="2">
+            <a:schemeClr val="accent1">
+              <a:shade val="50000"/>
+            </a:schemeClr>
+          </a:lnRef>
+          <a:fillRef idx="1">
+            <a:schemeClr val="accent1"/>
+          </a:fillRef>
+          <a:effectRef idx="0">
+            <a:schemeClr val="accent1"/>
+          </a:effectRef>
+          <a:fontRef idx="minor">
+            <a:schemeClr val="lt1"/>
+          </a:fontRef>
+        </p:style>
+        <p:txBody>
+          <a:bodyPr rtlCol="0" anchor="ctr"/>
+          <a:lstStyle/>
+          <a:p>
+            <a:pPr algn="ctr"/>
+            <a:endParaRPr lang="ko-KR" altLang="en-US"/>
+          </a:p>
+        </p:txBody>
+      </p:sp>
     </p:spTree>
     <p:extLst>
       <p:ext uri="{BB962C8B-B14F-4D97-AF65-F5344CB8AC3E}">
@@ -20124,6 +20860,52 @@
           </p:txBody>
         </p:sp>
       </p:grpSp>
+      <p:sp>
+        <p:nvSpPr>
+          <p:cNvPr id="3" name="직사각형 2"/>
+          <p:cNvSpPr/>
+          <p:nvPr/>
+        </p:nvSpPr>
+        <p:spPr>
+          <a:xfrm>
+            <a:off x="7812360" y="5529808"/>
+            <a:ext cx="936104" cy="228600"/>
+          </a:xfrm>
+          <a:prstGeom prst="rect">
+            <a:avLst/>
+          </a:prstGeom>
+          <a:noFill/>
+          <a:ln w="50800">
+            <a:solidFill>
+              <a:srgbClr val="FF0000"/>
+            </a:solidFill>
+          </a:ln>
+        </p:spPr>
+        <p:style>
+          <a:lnRef idx="2">
+            <a:schemeClr val="accent1">
+              <a:shade val="50000"/>
+            </a:schemeClr>
+          </a:lnRef>
+          <a:fillRef idx="1">
+            <a:schemeClr val="accent1"/>
+          </a:fillRef>
+          <a:effectRef idx="0">
+            <a:schemeClr val="accent1"/>
+          </a:effectRef>
+          <a:fontRef idx="minor">
+            <a:schemeClr val="lt1"/>
+          </a:fontRef>
+        </p:style>
+        <p:txBody>
+          <a:bodyPr rtlCol="0" anchor="ctr"/>
+          <a:lstStyle/>
+          <a:p>
+            <a:pPr algn="ctr"/>
+            <a:endParaRPr lang="ko-KR" altLang="en-US"/>
+          </a:p>
+        </p:txBody>
+      </p:sp>
     </p:spTree>
     <p:extLst>
       <p:ext uri="{BB962C8B-B14F-4D97-AF65-F5344CB8AC3E}">
@@ -21520,6 +22302,98 @@
           </p:txBody>
         </p:sp>
       </p:grpSp>
+      <p:sp>
+        <p:nvSpPr>
+          <p:cNvPr id="56" name="직사각형 55"/>
+          <p:cNvSpPr/>
+          <p:nvPr/>
+        </p:nvSpPr>
+        <p:spPr>
+          <a:xfrm>
+            <a:off x="1051661" y="561453"/>
+            <a:ext cx="936104" cy="276999"/>
+          </a:xfrm>
+          <a:prstGeom prst="rect">
+            <a:avLst/>
+          </a:prstGeom>
+          <a:noFill/>
+          <a:ln w="50800">
+            <a:solidFill>
+              <a:srgbClr val="FF0000"/>
+            </a:solidFill>
+          </a:ln>
+        </p:spPr>
+        <p:style>
+          <a:lnRef idx="2">
+            <a:schemeClr val="accent1">
+              <a:shade val="50000"/>
+            </a:schemeClr>
+          </a:lnRef>
+          <a:fillRef idx="1">
+            <a:schemeClr val="accent1"/>
+          </a:fillRef>
+          <a:effectRef idx="0">
+            <a:schemeClr val="accent1"/>
+          </a:effectRef>
+          <a:fontRef idx="minor">
+            <a:schemeClr val="lt1"/>
+          </a:fontRef>
+        </p:style>
+        <p:txBody>
+          <a:bodyPr rtlCol="0" anchor="ctr"/>
+          <a:lstStyle/>
+          <a:p>
+            <a:pPr algn="ctr"/>
+            <a:endParaRPr lang="ko-KR" altLang="en-US"/>
+          </a:p>
+        </p:txBody>
+      </p:sp>
+      <p:sp>
+        <p:nvSpPr>
+          <p:cNvPr id="57" name="직사각형 56"/>
+          <p:cNvSpPr/>
+          <p:nvPr/>
+        </p:nvSpPr>
+        <p:spPr>
+          <a:xfrm>
+            <a:off x="855396" y="1788886"/>
+            <a:ext cx="8181100" cy="1712122"/>
+          </a:xfrm>
+          <a:prstGeom prst="rect">
+            <a:avLst/>
+          </a:prstGeom>
+          <a:noFill/>
+          <a:ln w="50800">
+            <a:solidFill>
+              <a:srgbClr val="FF0000"/>
+            </a:solidFill>
+          </a:ln>
+        </p:spPr>
+        <p:style>
+          <a:lnRef idx="2">
+            <a:schemeClr val="accent1">
+              <a:shade val="50000"/>
+            </a:schemeClr>
+          </a:lnRef>
+          <a:fillRef idx="1">
+            <a:schemeClr val="accent1"/>
+          </a:fillRef>
+          <a:effectRef idx="0">
+            <a:schemeClr val="accent1"/>
+          </a:effectRef>
+          <a:fontRef idx="minor">
+            <a:schemeClr val="lt1"/>
+          </a:fontRef>
+        </p:style>
+        <p:txBody>
+          <a:bodyPr rtlCol="0" anchor="ctr"/>
+          <a:lstStyle/>
+          <a:p>
+            <a:pPr algn="ctr"/>
+            <a:endParaRPr lang="ko-KR" altLang="en-US"/>
+          </a:p>
+        </p:txBody>
+      </p:sp>
     </p:spTree>
     <p:extLst>
       <p:ext uri="{BB962C8B-B14F-4D97-AF65-F5344CB8AC3E}">
@@ -22908,6 +23782,144 @@
           </p:txBody>
         </p:sp>
       </p:grpSp>
+      <p:sp>
+        <p:nvSpPr>
+          <p:cNvPr id="56" name="직사각형 55"/>
+          <p:cNvSpPr/>
+          <p:nvPr/>
+        </p:nvSpPr>
+        <p:spPr>
+          <a:xfrm>
+            <a:off x="1016046" y="806751"/>
+            <a:ext cx="936104" cy="377227"/>
+          </a:xfrm>
+          <a:prstGeom prst="rect">
+            <a:avLst/>
+          </a:prstGeom>
+          <a:noFill/>
+          <a:ln w="50800">
+            <a:solidFill>
+              <a:srgbClr val="FF0000"/>
+            </a:solidFill>
+          </a:ln>
+        </p:spPr>
+        <p:style>
+          <a:lnRef idx="2">
+            <a:schemeClr val="accent1">
+              <a:shade val="50000"/>
+            </a:schemeClr>
+          </a:lnRef>
+          <a:fillRef idx="1">
+            <a:schemeClr val="accent1"/>
+          </a:fillRef>
+          <a:effectRef idx="0">
+            <a:schemeClr val="accent1"/>
+          </a:effectRef>
+          <a:fontRef idx="minor">
+            <a:schemeClr val="lt1"/>
+          </a:fontRef>
+        </p:style>
+        <p:txBody>
+          <a:bodyPr rtlCol="0" anchor="ctr"/>
+          <a:lstStyle/>
+          <a:p>
+            <a:pPr algn="ctr"/>
+            <a:endParaRPr lang="ko-KR" altLang="en-US"/>
+          </a:p>
+        </p:txBody>
+      </p:sp>
+      <p:sp>
+        <p:nvSpPr>
+          <p:cNvPr id="57" name="직사각형 56"/>
+          <p:cNvSpPr/>
+          <p:nvPr/>
+        </p:nvSpPr>
+        <p:spPr>
+          <a:xfrm>
+            <a:off x="7457856" y="2774927"/>
+            <a:ext cx="936104" cy="377227"/>
+          </a:xfrm>
+          <a:prstGeom prst="rect">
+            <a:avLst/>
+          </a:prstGeom>
+          <a:noFill/>
+          <a:ln w="50800">
+            <a:solidFill>
+              <a:srgbClr val="FF0000"/>
+            </a:solidFill>
+          </a:ln>
+        </p:spPr>
+        <p:style>
+          <a:lnRef idx="2">
+            <a:schemeClr val="accent1">
+              <a:shade val="50000"/>
+            </a:schemeClr>
+          </a:lnRef>
+          <a:fillRef idx="1">
+            <a:schemeClr val="accent1"/>
+          </a:fillRef>
+          <a:effectRef idx="0">
+            <a:schemeClr val="accent1"/>
+          </a:effectRef>
+          <a:fontRef idx="minor">
+            <a:schemeClr val="lt1"/>
+          </a:fontRef>
+        </p:style>
+        <p:txBody>
+          <a:bodyPr rtlCol="0" anchor="ctr"/>
+          <a:lstStyle/>
+          <a:p>
+            <a:pPr algn="ctr"/>
+            <a:endParaRPr lang="ko-KR" altLang="en-US"/>
+          </a:p>
+        </p:txBody>
+      </p:sp>
+      <p:sp>
+        <p:nvSpPr>
+          <p:cNvPr id="58" name="직사각형 57"/>
+          <p:cNvSpPr/>
+          <p:nvPr/>
+        </p:nvSpPr>
+        <p:spPr>
+          <a:xfrm>
+            <a:off x="3772768" y="2865513"/>
+            <a:ext cx="1159272" cy="286642"/>
+          </a:xfrm>
+          <a:prstGeom prst="rect">
+            <a:avLst/>
+          </a:prstGeom>
+          <a:noFill/>
+          <a:ln w="50800">
+            <a:solidFill>
+              <a:srgbClr val="FF0000"/>
+            </a:solidFill>
+          </a:ln>
+        </p:spPr>
+        <p:style>
+          <a:lnRef idx="2">
+            <a:schemeClr val="accent1">
+              <a:shade val="50000"/>
+            </a:schemeClr>
+          </a:lnRef>
+          <a:fillRef idx="1">
+            <a:schemeClr val="accent1"/>
+          </a:fillRef>
+          <a:effectRef idx="0">
+            <a:schemeClr val="accent1"/>
+          </a:effectRef>
+          <a:fontRef idx="minor">
+            <a:schemeClr val="lt1"/>
+          </a:fontRef>
+        </p:style>
+        <p:txBody>
+          <a:bodyPr rtlCol="0" anchor="ctr"/>
+          <a:lstStyle/>
+          <a:p>
+            <a:pPr algn="ctr"/>
+            <a:endParaRPr lang="ko-KR" altLang="en-US"/>
+          </a:p>
+        </p:txBody>
+      </p:sp>
     </p:spTree>
     <p:extLst>
       <p:ext uri="{BB962C8B-B14F-4D97-AF65-F5344CB8AC3E}">
@@ -24581,6 +25593,420 @@
           </p:txBody>
         </p:sp>
       </p:grpSp>
+      <p:sp>
+        <p:nvSpPr>
+          <p:cNvPr id="48" name="직사각형 47"/>
+          <p:cNvSpPr/>
+          <p:nvPr/>
+        </p:nvSpPr>
+        <p:spPr>
+          <a:xfrm>
+            <a:off x="2476624" y="823938"/>
+            <a:ext cx="1663328" cy="377227"/>
+          </a:xfrm>
+          <a:prstGeom prst="rect">
+            <a:avLst/>
+          </a:prstGeom>
+          <a:noFill/>
+          <a:ln w="50800">
+            <a:solidFill>
+              <a:srgbClr val="FF0000"/>
+            </a:solidFill>
+          </a:ln>
+        </p:spPr>
+        <p:style>
+          <a:lnRef idx="2">
+            <a:schemeClr val="accent1">
+              <a:shade val="50000"/>
+            </a:schemeClr>
+          </a:lnRef>
+          <a:fillRef idx="1">
+            <a:schemeClr val="accent1"/>
+          </a:fillRef>
+          <a:effectRef idx="0">
+            <a:schemeClr val="accent1"/>
+          </a:effectRef>
+          <a:fontRef idx="minor">
+            <a:schemeClr val="lt1"/>
+          </a:fontRef>
+        </p:style>
+        <p:txBody>
+          <a:bodyPr rtlCol="0" anchor="ctr"/>
+          <a:lstStyle/>
+          <a:p>
+            <a:pPr algn="ctr"/>
+            <a:endParaRPr lang="ko-KR" altLang="en-US"/>
+          </a:p>
+        </p:txBody>
+      </p:sp>
+      <p:sp>
+        <p:nvSpPr>
+          <p:cNvPr id="52" name="직사각형 51"/>
+          <p:cNvSpPr/>
+          <p:nvPr/>
+        </p:nvSpPr>
+        <p:spPr>
+          <a:xfrm>
+            <a:off x="1089795" y="5255866"/>
+            <a:ext cx="1970038" cy="621406"/>
+          </a:xfrm>
+          <a:prstGeom prst="rect">
+            <a:avLst/>
+          </a:prstGeom>
+          <a:noFill/>
+          <a:ln w="50800">
+            <a:solidFill>
+              <a:srgbClr val="FF0000"/>
+            </a:solidFill>
+          </a:ln>
+        </p:spPr>
+        <p:style>
+          <a:lnRef idx="2">
+            <a:schemeClr val="accent1">
+              <a:shade val="50000"/>
+            </a:schemeClr>
+          </a:lnRef>
+          <a:fillRef idx="1">
+            <a:schemeClr val="accent1"/>
+          </a:fillRef>
+          <a:effectRef idx="0">
+            <a:schemeClr val="accent1"/>
+          </a:effectRef>
+          <a:fontRef idx="minor">
+            <a:schemeClr val="lt1"/>
+          </a:fontRef>
+        </p:style>
+        <p:txBody>
+          <a:bodyPr rtlCol="0" anchor="ctr"/>
+          <a:lstStyle/>
+          <a:p>
+            <a:pPr algn="ctr"/>
+            <a:endParaRPr lang="ko-KR" altLang="en-US"/>
+          </a:p>
+        </p:txBody>
+      </p:sp>
+      <p:sp>
+        <p:nvSpPr>
+          <p:cNvPr id="55" name="직사각형 54"/>
+          <p:cNvSpPr/>
+          <p:nvPr/>
+        </p:nvSpPr>
+        <p:spPr>
+          <a:xfrm>
+            <a:off x="3622985" y="5373216"/>
+            <a:ext cx="1970038" cy="504056"/>
+          </a:xfrm>
+          <a:prstGeom prst="rect">
+            <a:avLst/>
+          </a:prstGeom>
+          <a:noFill/>
+          <a:ln w="50800">
+            <a:solidFill>
+              <a:srgbClr val="FF0000"/>
+            </a:solidFill>
+          </a:ln>
+        </p:spPr>
+        <p:style>
+          <a:lnRef idx="2">
+            <a:schemeClr val="accent1">
+              <a:shade val="50000"/>
+            </a:schemeClr>
+          </a:lnRef>
+          <a:fillRef idx="1">
+            <a:schemeClr val="accent1"/>
+          </a:fillRef>
+          <a:effectRef idx="0">
+            <a:schemeClr val="accent1"/>
+          </a:effectRef>
+          <a:fontRef idx="minor">
+            <a:schemeClr val="lt1"/>
+          </a:fontRef>
+        </p:style>
+        <p:txBody>
+          <a:bodyPr rtlCol="0" anchor="ctr"/>
+          <a:lstStyle/>
+          <a:p>
+            <a:pPr algn="ctr"/>
+            <a:endParaRPr lang="ko-KR" altLang="en-US"/>
+          </a:p>
+        </p:txBody>
+      </p:sp>
+      <p:sp>
+        <p:nvSpPr>
+          <p:cNvPr id="57" name="직사각형 56"/>
+          <p:cNvSpPr/>
+          <p:nvPr/>
+        </p:nvSpPr>
+        <p:spPr>
+          <a:xfrm>
+            <a:off x="2728907" y="4786860"/>
+            <a:ext cx="1970038" cy="621406"/>
+          </a:xfrm>
+          <a:prstGeom prst="rect">
+            <a:avLst/>
+          </a:prstGeom>
+          <a:noFill/>
+          <a:ln w="50800">
+            <a:solidFill>
+              <a:srgbClr val="FF0000"/>
+            </a:solidFill>
+          </a:ln>
+        </p:spPr>
+        <p:style>
+          <a:lnRef idx="2">
+            <a:schemeClr val="accent1">
+              <a:shade val="50000"/>
+            </a:schemeClr>
+          </a:lnRef>
+          <a:fillRef idx="1">
+            <a:schemeClr val="accent1"/>
+          </a:fillRef>
+          <a:effectRef idx="0">
+            <a:schemeClr val="accent1"/>
+          </a:effectRef>
+          <a:fontRef idx="minor">
+            <a:schemeClr val="lt1"/>
+          </a:fontRef>
+        </p:style>
+        <p:txBody>
+          <a:bodyPr rtlCol="0" anchor="ctr"/>
+          <a:lstStyle/>
+          <a:p>
+            <a:pPr algn="ctr"/>
+            <a:endParaRPr lang="ko-KR" altLang="en-US"/>
+          </a:p>
+        </p:txBody>
+      </p:sp>
+      <p:sp>
+        <p:nvSpPr>
+          <p:cNvPr id="58" name="직사각형 57"/>
+          <p:cNvSpPr/>
+          <p:nvPr/>
+        </p:nvSpPr>
+        <p:spPr>
+          <a:xfrm>
+            <a:off x="3610074" y="5949280"/>
+            <a:ext cx="1970038" cy="504056"/>
+          </a:xfrm>
+          <a:prstGeom prst="rect">
+            <a:avLst/>
+          </a:prstGeom>
+          <a:noFill/>
+          <a:ln w="50800">
+            <a:solidFill>
+              <a:srgbClr val="FF0000"/>
+            </a:solidFill>
+          </a:ln>
+        </p:spPr>
+        <p:style>
+          <a:lnRef idx="2">
+            <a:schemeClr val="accent1">
+              <a:shade val="50000"/>
+            </a:schemeClr>
+          </a:lnRef>
+          <a:fillRef idx="1">
+            <a:schemeClr val="accent1"/>
+          </a:fillRef>
+          <a:effectRef idx="0">
+            <a:schemeClr val="accent1"/>
+          </a:effectRef>
+          <a:fontRef idx="minor">
+            <a:schemeClr val="lt1"/>
+          </a:fontRef>
+        </p:style>
+        <p:txBody>
+          <a:bodyPr rtlCol="0" anchor="ctr"/>
+          <a:lstStyle/>
+          <a:p>
+            <a:pPr algn="ctr"/>
+            <a:endParaRPr lang="ko-KR" altLang="en-US"/>
+          </a:p>
+        </p:txBody>
+      </p:sp>
+      <p:sp>
+        <p:nvSpPr>
+          <p:cNvPr id="59" name="직사각형 58"/>
+          <p:cNvSpPr/>
+          <p:nvPr/>
+        </p:nvSpPr>
+        <p:spPr>
+          <a:xfrm>
+            <a:off x="6203785" y="5301208"/>
+            <a:ext cx="1970038" cy="504056"/>
+          </a:xfrm>
+          <a:prstGeom prst="rect">
+            <a:avLst/>
+          </a:prstGeom>
+          <a:noFill/>
+          <a:ln w="50800">
+            <a:solidFill>
+              <a:srgbClr val="FF0000"/>
+            </a:solidFill>
+          </a:ln>
+        </p:spPr>
+        <p:style>
+          <a:lnRef idx="2">
+            <a:schemeClr val="accent1">
+              <a:shade val="50000"/>
+            </a:schemeClr>
+          </a:lnRef>
+          <a:fillRef idx="1">
+            <a:schemeClr val="accent1"/>
+          </a:fillRef>
+          <a:effectRef idx="0">
+            <a:schemeClr val="accent1"/>
+          </a:effectRef>
+          <a:fontRef idx="minor">
+            <a:schemeClr val="lt1"/>
+          </a:fontRef>
+        </p:style>
+        <p:txBody>
+          <a:bodyPr rtlCol="0" anchor="ctr"/>
+          <a:lstStyle/>
+          <a:p>
+            <a:pPr algn="ctr"/>
+            <a:endParaRPr lang="ko-KR" altLang="en-US"/>
+          </a:p>
+        </p:txBody>
+      </p:sp>
+      <p:sp>
+        <p:nvSpPr>
+          <p:cNvPr id="60" name="직사각형 59"/>
+          <p:cNvSpPr/>
+          <p:nvPr/>
+        </p:nvSpPr>
+        <p:spPr>
+          <a:xfrm>
+            <a:off x="873770" y="3336865"/>
+            <a:ext cx="1970038" cy="621406"/>
+          </a:xfrm>
+          <a:prstGeom prst="rect">
+            <a:avLst/>
+          </a:prstGeom>
+          <a:noFill/>
+          <a:ln w="50800">
+            <a:solidFill>
+              <a:srgbClr val="FF0000"/>
+            </a:solidFill>
+          </a:ln>
+        </p:spPr>
+        <p:style>
+          <a:lnRef idx="2">
+            <a:schemeClr val="accent1">
+              <a:shade val="50000"/>
+            </a:schemeClr>
+          </a:lnRef>
+          <a:fillRef idx="1">
+            <a:schemeClr val="accent1"/>
+          </a:fillRef>
+          <a:effectRef idx="0">
+            <a:schemeClr val="accent1"/>
+          </a:effectRef>
+          <a:fontRef idx="minor">
+            <a:schemeClr val="lt1"/>
+          </a:fontRef>
+        </p:style>
+        <p:txBody>
+          <a:bodyPr rtlCol="0" anchor="ctr"/>
+          <a:lstStyle/>
+          <a:p>
+            <a:pPr algn="ctr"/>
+            <a:endParaRPr lang="ko-KR" altLang="en-US"/>
+          </a:p>
+        </p:txBody>
+      </p:sp>
+      <p:sp>
+        <p:nvSpPr>
+          <p:cNvPr id="61" name="직사각형 60"/>
+          <p:cNvSpPr/>
+          <p:nvPr/>
+        </p:nvSpPr>
+        <p:spPr>
+          <a:xfrm>
+            <a:off x="3711476" y="2865512"/>
+            <a:ext cx="1364580" cy="310703"/>
+          </a:xfrm>
+          <a:prstGeom prst="rect">
+            <a:avLst/>
+          </a:prstGeom>
+          <a:noFill/>
+          <a:ln w="50800">
+            <a:solidFill>
+              <a:srgbClr val="FF0000"/>
+            </a:solidFill>
+          </a:ln>
+        </p:spPr>
+        <p:style>
+          <a:lnRef idx="2">
+            <a:schemeClr val="accent1">
+              <a:shade val="50000"/>
+            </a:schemeClr>
+          </a:lnRef>
+          <a:fillRef idx="1">
+            <a:schemeClr val="accent1"/>
+          </a:fillRef>
+          <a:effectRef idx="0">
+            <a:schemeClr val="accent1"/>
+          </a:effectRef>
+          <a:fontRef idx="minor">
+            <a:schemeClr val="lt1"/>
+          </a:fontRef>
+        </p:style>
+        <p:txBody>
+          <a:bodyPr rtlCol="0" anchor="ctr"/>
+          <a:lstStyle/>
+          <a:p>
+            <a:pPr algn="ctr"/>
+            <a:endParaRPr lang="ko-KR" altLang="en-US"/>
+          </a:p>
+        </p:txBody>
+      </p:sp>
+      <p:sp>
+        <p:nvSpPr>
+          <p:cNvPr id="62" name="직사각형 61"/>
+          <p:cNvSpPr/>
+          <p:nvPr/>
+        </p:nvSpPr>
+        <p:spPr>
+          <a:xfrm>
+            <a:off x="6159748" y="2852936"/>
+            <a:ext cx="1364580" cy="310703"/>
+          </a:xfrm>
+          <a:prstGeom prst="rect">
+            <a:avLst/>
+          </a:prstGeom>
+          <a:noFill/>
+          <a:ln w="50800">
+            <a:solidFill>
+              <a:srgbClr val="FF0000"/>
+            </a:solidFill>
+          </a:ln>
+        </p:spPr>
+        <p:style>
+          <a:lnRef idx="2">
+            <a:schemeClr val="accent1">
+              <a:shade val="50000"/>
+            </a:schemeClr>
+          </a:lnRef>
+          <a:fillRef idx="1">
+            <a:schemeClr val="accent1"/>
+          </a:fillRef>
+          <a:effectRef idx="0">
+            <a:schemeClr val="accent1"/>
+          </a:effectRef>
+          <a:fontRef idx="minor">
+            <a:schemeClr val="lt1"/>
+          </a:fontRef>
+        </p:style>
+        <p:txBody>
+          <a:bodyPr rtlCol="0" anchor="ctr"/>
+          <a:lstStyle/>
+          <a:p>
+            <a:pPr algn="ctr"/>
+            <a:endParaRPr lang="ko-KR" altLang="en-US"/>
+          </a:p>
+        </p:txBody>
+      </p:sp>
     </p:spTree>
     <p:extLst>
       <p:ext uri="{BB962C8B-B14F-4D97-AF65-F5344CB8AC3E}">
@@ -26631,6 +28057,52 @@
           </p:txBody>
         </p:sp>
       </p:grpSp>
+      <p:sp>
+        <p:nvSpPr>
+          <p:cNvPr id="39" name="직사각형 38"/>
+          <p:cNvSpPr/>
+          <p:nvPr/>
+        </p:nvSpPr>
+        <p:spPr>
+          <a:xfrm>
+            <a:off x="1055948" y="843011"/>
+            <a:ext cx="2219907" cy="310703"/>
+          </a:xfrm>
+          <a:prstGeom prst="rect">
+            <a:avLst/>
+          </a:prstGeom>
+          <a:noFill/>
+          <a:ln w="50800">
+            <a:solidFill>
+              <a:srgbClr val="FF0000"/>
+            </a:solidFill>
+          </a:ln>
+        </p:spPr>
+        <p:style>
+          <a:lnRef idx="2">
+            <a:schemeClr val="accent1">
+              <a:shade val="50000"/>
+            </a:schemeClr>
+          </a:lnRef>
+          <a:fillRef idx="1">
+            <a:schemeClr val="accent1"/>
+          </a:fillRef>
+          <a:effectRef idx="0">
+            <a:schemeClr val="accent1"/>
+          </a:effectRef>
+          <a:fontRef idx="minor">
+            <a:schemeClr val="lt1"/>
+          </a:fontRef>
+        </p:style>
+        <p:txBody>
+          <a:bodyPr rtlCol="0" anchor="ctr"/>
+          <a:lstStyle/>
+          <a:p>
+            <a:pPr algn="ctr"/>
+            <a:endParaRPr lang="ko-KR" altLang="en-US"/>
+          </a:p>
+        </p:txBody>
+      </p:sp>
     </p:spTree>
     <p:extLst>
       <p:ext uri="{BB962C8B-B14F-4D97-AF65-F5344CB8AC3E}">
